--- a/Mohamamd A/mockup/mockup.pptx
+++ b/Mohamamd A/mockup/mockup.pptx
@@ -315,7 +315,7 @@
           <a:p>
             <a:fld id="{764C9FFC-0AA3-4D61-83F7-3BE29BAEBD52}" type="slidenum">
               <a:rPr lang="nl-NL" smtClean="0"/>
-              <a:t>‹#›</a:t>
+              <a:t>‹nr.›</a:t>
             </a:fld>
             <a:endParaRPr lang="nl-NL"/>
           </a:p>
@@ -515,7 +515,7 @@
           <a:p>
             <a:fld id="{764C9FFC-0AA3-4D61-83F7-3BE29BAEBD52}" type="slidenum">
               <a:rPr lang="nl-NL" smtClean="0"/>
-              <a:t>‹#›</a:t>
+              <a:t>‹nr.›</a:t>
             </a:fld>
             <a:endParaRPr lang="nl-NL"/>
           </a:p>
@@ -725,7 +725,7 @@
           <a:p>
             <a:fld id="{764C9FFC-0AA3-4D61-83F7-3BE29BAEBD52}" type="slidenum">
               <a:rPr lang="nl-NL" smtClean="0"/>
-              <a:t>‹#›</a:t>
+              <a:t>‹nr.›</a:t>
             </a:fld>
             <a:endParaRPr lang="nl-NL"/>
           </a:p>
@@ -925,7 +925,7 @@
           <a:p>
             <a:fld id="{764C9FFC-0AA3-4D61-83F7-3BE29BAEBD52}" type="slidenum">
               <a:rPr lang="nl-NL" smtClean="0"/>
-              <a:t>‹#›</a:t>
+              <a:t>‹nr.›</a:t>
             </a:fld>
             <a:endParaRPr lang="nl-NL"/>
           </a:p>
@@ -1201,7 +1201,7 @@
           <a:p>
             <a:fld id="{764C9FFC-0AA3-4D61-83F7-3BE29BAEBD52}" type="slidenum">
               <a:rPr lang="nl-NL" smtClean="0"/>
-              <a:t>‹#›</a:t>
+              <a:t>‹nr.›</a:t>
             </a:fld>
             <a:endParaRPr lang="nl-NL"/>
           </a:p>
@@ -1469,7 +1469,7 @@
           <a:p>
             <a:fld id="{764C9FFC-0AA3-4D61-83F7-3BE29BAEBD52}" type="slidenum">
               <a:rPr lang="nl-NL" smtClean="0"/>
-              <a:t>‹#›</a:t>
+              <a:t>‹nr.›</a:t>
             </a:fld>
             <a:endParaRPr lang="nl-NL"/>
           </a:p>
@@ -1884,7 +1884,7 @@
           <a:p>
             <a:fld id="{764C9FFC-0AA3-4D61-83F7-3BE29BAEBD52}" type="slidenum">
               <a:rPr lang="nl-NL" smtClean="0"/>
-              <a:t>‹#›</a:t>
+              <a:t>‹nr.›</a:t>
             </a:fld>
             <a:endParaRPr lang="nl-NL"/>
           </a:p>
@@ -2026,7 +2026,7 @@
           <a:p>
             <a:fld id="{764C9FFC-0AA3-4D61-83F7-3BE29BAEBD52}" type="slidenum">
               <a:rPr lang="nl-NL" smtClean="0"/>
-              <a:t>‹#›</a:t>
+              <a:t>‹nr.›</a:t>
             </a:fld>
             <a:endParaRPr lang="nl-NL"/>
           </a:p>
@@ -2139,7 +2139,7 @@
           <a:p>
             <a:fld id="{764C9FFC-0AA3-4D61-83F7-3BE29BAEBD52}" type="slidenum">
               <a:rPr lang="nl-NL" smtClean="0"/>
-              <a:t>‹#›</a:t>
+              <a:t>‹nr.›</a:t>
             </a:fld>
             <a:endParaRPr lang="nl-NL"/>
           </a:p>
@@ -2452,7 +2452,7 @@
           <a:p>
             <a:fld id="{764C9FFC-0AA3-4D61-83F7-3BE29BAEBD52}" type="slidenum">
               <a:rPr lang="nl-NL" smtClean="0"/>
-              <a:t>‹#›</a:t>
+              <a:t>‹nr.›</a:t>
             </a:fld>
             <a:endParaRPr lang="nl-NL"/>
           </a:p>
@@ -2741,7 +2741,7 @@
           <a:p>
             <a:fld id="{764C9FFC-0AA3-4D61-83F7-3BE29BAEBD52}" type="slidenum">
               <a:rPr lang="nl-NL" smtClean="0"/>
-              <a:t>‹#›</a:t>
+              <a:t>‹nr.›</a:t>
             </a:fld>
             <a:endParaRPr lang="nl-NL"/>
           </a:p>
@@ -3020,7 +3020,7 @@
           <a:p>
             <a:fld id="{764C9FFC-0AA3-4D61-83F7-3BE29BAEBD52}" type="slidenum">
               <a:rPr lang="nl-NL" smtClean="0"/>
-              <a:t>‹#›</a:t>
+              <a:t>‹nr.›</a:t>
             </a:fld>
             <a:endParaRPr lang="nl-NL"/>
           </a:p>
@@ -3493,7 +3493,7 @@
         </p:nvSpPr>
         <p:spPr>
           <a:xfrm>
-            <a:off x="7474998" y="1162975"/>
+            <a:off x="7093258" y="1160301"/>
             <a:ext cx="4039340" cy="372862"/>
           </a:xfrm>
           <a:prstGeom prst="roundRect">
@@ -3561,7 +3561,7 @@
         </p:nvSpPr>
         <p:spPr>
           <a:xfrm>
-            <a:off x="674703" y="1233996"/>
+            <a:off x="834501" y="1227152"/>
             <a:ext cx="3107184" cy="369332"/>
           </a:xfrm>
           <a:prstGeom prst="rect">
@@ -3605,8 +3605,8 @@
         </p:nvSpPr>
         <p:spPr>
           <a:xfrm rot="10800000">
-            <a:off x="0" y="5669280"/>
-            <a:ext cx="12192000" cy="1188720"/>
+            <a:off x="0" y="3228851"/>
+            <a:ext cx="12192000" cy="1814575"/>
           </a:xfrm>
           <a:prstGeom prst="rect">
             <a:avLst/>
@@ -3658,10 +3658,10 @@
       </p:sp>
       <p:sp>
         <p:nvSpPr>
-          <p:cNvPr id="8" name="Rectangle 7">
-            <a:extLst>
-              <a:ext uri="{FF2B5EF4-FFF2-40B4-BE49-F238E27FC236}">
-                <a16:creationId xmlns:a16="http://schemas.microsoft.com/office/drawing/2014/main" id="{2EFBEF5E-5EF9-4D0A-9307-DF018B7AFDEB}"/>
+          <p:cNvPr id="9" name="Rectangle 8">
+            <a:extLst>
+              <a:ext uri="{FF2B5EF4-FFF2-40B4-BE49-F238E27FC236}">
+                <a16:creationId xmlns:a16="http://schemas.microsoft.com/office/drawing/2014/main" id="{F8C787F5-F7A2-4719-BCF6-1FC429060474}"/>
               </a:ext>
             </a:extLst>
           </p:cNvPr>
@@ -3670,8 +3670,8 @@
         </p:nvSpPr>
         <p:spPr>
           <a:xfrm>
-            <a:off x="0" y="4506305"/>
-            <a:ext cx="12192000" cy="1188720"/>
+            <a:off x="0" y="5043426"/>
+            <a:ext cx="12192000" cy="1814574"/>
           </a:xfrm>
           <a:prstGeom prst="rect">
             <a:avLst/>
@@ -3721,44 +3721,79 @@
           </a:p>
         </p:txBody>
       </p:sp>
-      <p:sp>
-        <p:nvSpPr>
-          <p:cNvPr id="9" name="Rectangle 8">
-            <a:extLst>
-              <a:ext uri="{FF2B5EF4-FFF2-40B4-BE49-F238E27FC236}">
-                <a16:creationId xmlns:a16="http://schemas.microsoft.com/office/drawing/2014/main" id="{F8C787F5-F7A2-4719-BCF6-1FC429060474}"/>
-              </a:ext>
-            </a:extLst>
-          </p:cNvPr>
-          <p:cNvSpPr/>
+      <p:pic>
+        <p:nvPicPr>
+          <p:cNvPr id="11" name="Picture 10" descr="A screen shot of a computer&#10;&#10;Description automatically generated with low confidence">
+            <a:extLst>
+              <a:ext uri="{FF2B5EF4-FFF2-40B4-BE49-F238E27FC236}">
+                <a16:creationId xmlns:a16="http://schemas.microsoft.com/office/drawing/2014/main" id="{E683E3B8-FD73-4F19-9D57-3C9D824DCC01}"/>
+              </a:ext>
+            </a:extLst>
+          </p:cNvPr>
+          <p:cNvPicPr>
+            <a:picLocks noChangeAspect="1"/>
+          </p:cNvPicPr>
           <p:nvPr/>
-        </p:nvSpPr>
+        </p:nvPicPr>
+        <p:blipFill>
+          <a:blip r:embed="rId2">
+            <a:extLst>
+              <a:ext uri="{28A0092B-C50C-407E-A947-70E740481C1C}">
+                <a14:useLocalDpi xmlns:a14="http://schemas.microsoft.com/office/drawing/2010/main" val="0"/>
+              </a:ext>
+            </a:extLst>
+          </a:blip>
+          <a:stretch>
+            <a:fillRect/>
+          </a:stretch>
+        </p:blipFill>
         <p:spPr>
-          <a:xfrm rot="10800000">
-            <a:off x="0" y="3317584"/>
-            <a:ext cx="12192000" cy="1188720"/>
+          <a:xfrm>
+            <a:off x="9579005" y="3350413"/>
+            <a:ext cx="2424343" cy="1618377"/>
           </a:xfrm>
           <a:prstGeom prst="rect">
             <a:avLst/>
           </a:prstGeom>
-          <a:gradFill flip="none" rotWithShape="1">
-            <a:gsLst>
-              <a:gs pos="0">
-                <a:srgbClr val="343434"/>
-              </a:gs>
-              <a:gs pos="100000">
-                <a:srgbClr val="00A693">
-                  <a:alpha val="50000"/>
-                </a:srgbClr>
-              </a:gs>
-            </a:gsLst>
-            <a:path path="circle">
-              <a:fillToRect l="100000" t="100000"/>
-            </a:path>
-            <a:tileRect r="-100000" b="-100000"/>
-          </a:gradFill>
           <a:ln>
             <a:noFill/>
+          </a:ln>
+          <a:effectLst>
+            <a:outerShdw blurRad="50800" dist="38100" dir="10800000" algn="r" rotWithShape="0">
+              <a:prstClr val="black">
+                <a:alpha val="40000"/>
+              </a:prstClr>
+            </a:outerShdw>
+          </a:effectLst>
+        </p:spPr>
+      </p:pic>
+      <p:sp>
+        <p:nvSpPr>
+          <p:cNvPr id="2" name="Rechthoek: afgeronde hoeken 1">
+            <a:extLst>
+              <a:ext uri="{FF2B5EF4-FFF2-40B4-BE49-F238E27FC236}">
+                <a16:creationId xmlns:a16="http://schemas.microsoft.com/office/drawing/2014/main" id="{0926AFF3-5A01-448D-A372-27FA2164A99D}"/>
+              </a:ext>
+            </a:extLst>
+          </p:cNvPr>
+          <p:cNvSpPr/>
+          <p:nvPr/>
+        </p:nvSpPr>
+        <p:spPr>
+          <a:xfrm>
+            <a:off x="5317724" y="2798445"/>
+            <a:ext cx="1038688" cy="288045"/>
+          </a:xfrm>
+          <a:prstGeom prst="roundRect">
+            <a:avLst/>
+          </a:prstGeom>
+          <a:solidFill>
+            <a:srgbClr val="8DD9CC"/>
+          </a:solidFill>
+          <a:ln>
+            <a:solidFill>
+              <a:srgbClr val="8DD9CC"/>
+            </a:solidFill>
           </a:ln>
         </p:spPr>
         <p:style>
@@ -3786,12 +3821,599 @@
           </a:p>
         </p:txBody>
       </p:sp>
+      <p:sp>
+        <p:nvSpPr>
+          <p:cNvPr id="12" name="Rechthoek: afgeronde hoeken 11">
+            <a:extLst>
+              <a:ext uri="{FF2B5EF4-FFF2-40B4-BE49-F238E27FC236}">
+                <a16:creationId xmlns:a16="http://schemas.microsoft.com/office/drawing/2014/main" id="{7D70FEE6-A809-465F-BB0D-C4568276FC63}"/>
+              </a:ext>
+            </a:extLst>
+          </p:cNvPr>
+          <p:cNvSpPr/>
+          <p:nvPr/>
+        </p:nvSpPr>
+        <p:spPr>
+          <a:xfrm>
+            <a:off x="5317724" y="4635480"/>
+            <a:ext cx="1038688" cy="288045"/>
+          </a:xfrm>
+          <a:prstGeom prst="roundRect">
+            <a:avLst/>
+          </a:prstGeom>
+          <a:solidFill>
+            <a:srgbClr val="8DD9CC"/>
+          </a:solidFill>
+          <a:ln>
+            <a:solidFill>
+              <a:srgbClr val="8DD9CC"/>
+            </a:solidFill>
+          </a:ln>
+        </p:spPr>
+        <p:style>
+          <a:lnRef idx="2">
+            <a:schemeClr val="accent1">
+              <a:shade val="50000"/>
+            </a:schemeClr>
+          </a:lnRef>
+          <a:fillRef idx="1">
+            <a:schemeClr val="accent1"/>
+          </a:fillRef>
+          <a:effectRef idx="0">
+            <a:schemeClr val="accent1"/>
+          </a:effectRef>
+          <a:fontRef idx="minor">
+            <a:schemeClr val="lt1"/>
+          </a:fontRef>
+        </p:style>
+        <p:txBody>
+          <a:bodyPr rtlCol="0" anchor="ctr"/>
+          <a:lstStyle/>
+          <a:p>
+            <a:pPr algn="ctr"/>
+            <a:endParaRPr lang="nl-NL" dirty="0"/>
+          </a:p>
+        </p:txBody>
+      </p:sp>
+      <p:sp>
+        <p:nvSpPr>
+          <p:cNvPr id="13" name="Rechthoek: afgeronde hoeken 12">
+            <a:extLst>
+              <a:ext uri="{FF2B5EF4-FFF2-40B4-BE49-F238E27FC236}">
+                <a16:creationId xmlns:a16="http://schemas.microsoft.com/office/drawing/2014/main" id="{9225EDA3-1805-4376-A2EB-5DBB7AFA1442}"/>
+              </a:ext>
+            </a:extLst>
+          </p:cNvPr>
+          <p:cNvSpPr/>
+          <p:nvPr/>
+        </p:nvSpPr>
+        <p:spPr>
+          <a:xfrm>
+            <a:off x="5317724" y="6472515"/>
+            <a:ext cx="1038688" cy="288045"/>
+          </a:xfrm>
+          <a:prstGeom prst="roundRect">
+            <a:avLst/>
+          </a:prstGeom>
+          <a:solidFill>
+            <a:srgbClr val="8DD9CC"/>
+          </a:solidFill>
+          <a:ln>
+            <a:solidFill>
+              <a:srgbClr val="8DD9CC"/>
+            </a:solidFill>
+          </a:ln>
+        </p:spPr>
+        <p:style>
+          <a:lnRef idx="2">
+            <a:schemeClr val="accent1">
+              <a:shade val="50000"/>
+            </a:schemeClr>
+          </a:lnRef>
+          <a:fillRef idx="1">
+            <a:schemeClr val="accent1"/>
+          </a:fillRef>
+          <a:effectRef idx="0">
+            <a:schemeClr val="accent1"/>
+          </a:effectRef>
+          <a:fontRef idx="minor">
+            <a:schemeClr val="lt1"/>
+          </a:fontRef>
+        </p:style>
+        <p:txBody>
+          <a:bodyPr rtlCol="0" anchor="ctr"/>
+          <a:lstStyle/>
+          <a:p>
+            <a:pPr algn="ctr"/>
+            <a:endParaRPr lang="nl-NL" dirty="0"/>
+          </a:p>
+        </p:txBody>
+      </p:sp>
+      <p:sp>
+        <p:nvSpPr>
+          <p:cNvPr id="10" name="Tekstvak 9">
+            <a:extLst>
+              <a:ext uri="{FF2B5EF4-FFF2-40B4-BE49-F238E27FC236}">
+                <a16:creationId xmlns:a16="http://schemas.microsoft.com/office/drawing/2014/main" id="{CA426BDF-BDAE-411B-925A-E86E85F519E6}"/>
+              </a:ext>
+            </a:extLst>
+          </p:cNvPr>
+          <p:cNvSpPr txBox="1"/>
+          <p:nvPr/>
+        </p:nvSpPr>
+        <p:spPr>
+          <a:xfrm>
+            <a:off x="115410" y="3429000"/>
+            <a:ext cx="9312675" cy="646331"/>
+          </a:xfrm>
+          <a:prstGeom prst="rect">
+            <a:avLst/>
+          </a:prstGeom>
+          <a:noFill/>
+        </p:spPr>
+        <p:txBody>
+          <a:bodyPr wrap="square" rtlCol="0">
+            <a:spAutoFit/>
+          </a:bodyPr>
+          <a:lstStyle/>
+          <a:p>
+            <a:r>
+              <a:rPr lang="nl-NL" dirty="0" err="1"/>
+              <a:t>Lorem</a:t>
+            </a:r>
+            <a:r>
+              <a:rPr lang="nl-NL" dirty="0"/>
+              <a:t> </a:t>
+            </a:r>
+            <a:r>
+              <a:rPr lang="nl-NL" dirty="0" err="1"/>
+              <a:t>ipsum</a:t>
+            </a:r>
+            <a:r>
+              <a:rPr lang="nl-NL" dirty="0"/>
+              <a:t> </a:t>
+            </a:r>
+            <a:r>
+              <a:rPr lang="nl-NL" dirty="0" err="1"/>
+              <a:t>dolor</a:t>
+            </a:r>
+            <a:r>
+              <a:rPr lang="nl-NL" dirty="0"/>
+              <a:t> </a:t>
+            </a:r>
+            <a:r>
+              <a:rPr lang="nl-NL" dirty="0" err="1"/>
+              <a:t>sit</a:t>
+            </a:r>
+            <a:r>
+              <a:rPr lang="nl-NL" dirty="0"/>
+              <a:t> </a:t>
+            </a:r>
+            <a:r>
+              <a:rPr lang="nl-NL" dirty="0" err="1"/>
+              <a:t>amet</a:t>
+            </a:r>
+            <a:r>
+              <a:rPr lang="nl-NL" dirty="0"/>
+              <a:t>, </a:t>
+            </a:r>
+            <a:r>
+              <a:rPr lang="nl-NL" dirty="0" err="1"/>
+              <a:t>consectetur</a:t>
+            </a:r>
+            <a:r>
+              <a:rPr lang="nl-NL" dirty="0"/>
+              <a:t> </a:t>
+            </a:r>
+            <a:r>
+              <a:rPr lang="nl-NL" dirty="0" err="1"/>
+              <a:t>adipiscing</a:t>
+            </a:r>
+            <a:r>
+              <a:rPr lang="nl-NL" dirty="0"/>
+              <a:t> </a:t>
+            </a:r>
+            <a:r>
+              <a:rPr lang="nl-NL" dirty="0" err="1"/>
+              <a:t>elit</a:t>
+            </a:r>
+            <a:r>
+              <a:rPr lang="nl-NL" dirty="0"/>
+              <a:t>. </a:t>
+            </a:r>
+            <a:r>
+              <a:rPr lang="nl-NL" dirty="0" err="1"/>
+              <a:t>Curabitur</a:t>
+            </a:r>
+            <a:r>
+              <a:rPr lang="nl-NL" dirty="0"/>
+              <a:t> </a:t>
+            </a:r>
+            <a:r>
+              <a:rPr lang="nl-NL" dirty="0" err="1"/>
+              <a:t>sit</a:t>
+            </a:r>
+            <a:r>
+              <a:rPr lang="nl-NL" dirty="0"/>
+              <a:t> </a:t>
+            </a:r>
+            <a:r>
+              <a:rPr lang="nl-NL" dirty="0" err="1"/>
+              <a:t>amet</a:t>
+            </a:r>
+            <a:r>
+              <a:rPr lang="nl-NL" dirty="0"/>
+              <a:t> </a:t>
+            </a:r>
+            <a:r>
+              <a:rPr lang="nl-NL" dirty="0" err="1"/>
+              <a:t>accumsan</a:t>
+            </a:r>
+            <a:r>
+              <a:rPr lang="nl-NL" dirty="0"/>
+              <a:t> </a:t>
+            </a:r>
+            <a:r>
+              <a:rPr lang="nl-NL" dirty="0" err="1"/>
+              <a:t>orci</a:t>
+            </a:r>
+            <a:r>
+              <a:rPr lang="nl-NL" dirty="0"/>
+              <a:t>. </a:t>
+            </a:r>
+            <a:r>
+              <a:rPr lang="nl-NL" dirty="0" err="1"/>
+              <a:t>Curabitur</a:t>
+            </a:r>
+            <a:r>
+              <a:rPr lang="nl-NL" dirty="0"/>
+              <a:t> </a:t>
+            </a:r>
+            <a:r>
+              <a:rPr lang="nl-NL" dirty="0" err="1"/>
+              <a:t>id</a:t>
+            </a:r>
+            <a:r>
+              <a:rPr lang="nl-NL" dirty="0"/>
+              <a:t> </a:t>
+            </a:r>
+            <a:r>
+              <a:rPr lang="nl-NL" dirty="0" err="1"/>
+              <a:t>nibh</a:t>
+            </a:r>
+            <a:r>
+              <a:rPr lang="nl-NL" dirty="0"/>
+              <a:t> </a:t>
+            </a:r>
+            <a:r>
+              <a:rPr lang="nl-NL" dirty="0" err="1"/>
+              <a:t>nisl</a:t>
+            </a:r>
+            <a:r>
+              <a:rPr lang="nl-NL" dirty="0"/>
+              <a:t>. </a:t>
+            </a:r>
+            <a:r>
+              <a:rPr lang="nl-NL" dirty="0" err="1"/>
+              <a:t>Mauris</a:t>
+            </a:r>
+            <a:r>
+              <a:rPr lang="nl-NL" dirty="0"/>
+              <a:t> </a:t>
+            </a:r>
+            <a:r>
+              <a:rPr lang="nl-NL" dirty="0" err="1"/>
+              <a:t>sed</a:t>
+            </a:r>
+            <a:r>
+              <a:rPr lang="nl-NL" dirty="0"/>
+              <a:t> </a:t>
+            </a:r>
+            <a:r>
+              <a:rPr lang="nl-NL" dirty="0" err="1"/>
+              <a:t>risus</a:t>
+            </a:r>
+            <a:r>
+              <a:rPr lang="nl-NL" dirty="0"/>
+              <a:t> </a:t>
+            </a:r>
+            <a:r>
+              <a:rPr lang="nl-NL" dirty="0" err="1"/>
+              <a:t>ac</a:t>
+            </a:r>
+            <a:r>
+              <a:rPr lang="nl-NL" dirty="0"/>
+              <a:t> ante </a:t>
+            </a:r>
+            <a:r>
+              <a:rPr lang="nl-NL" dirty="0" err="1"/>
+              <a:t>faucibus</a:t>
+            </a:r>
+            <a:r>
+              <a:rPr lang="nl-NL" dirty="0"/>
+              <a:t> </a:t>
+            </a:r>
+            <a:r>
+              <a:rPr lang="nl-NL" dirty="0" err="1"/>
+              <a:t>varius</a:t>
+            </a:r>
+            <a:r>
+              <a:rPr lang="nl-NL" dirty="0"/>
+              <a:t> </a:t>
+            </a:r>
+            <a:r>
+              <a:rPr lang="nl-NL" dirty="0" err="1"/>
+              <a:t>ac</a:t>
+            </a:r>
+            <a:r>
+              <a:rPr lang="nl-NL" dirty="0"/>
+              <a:t> </a:t>
+            </a:r>
+            <a:r>
+              <a:rPr lang="nl-NL" dirty="0" err="1"/>
+              <a:t>id</a:t>
+            </a:r>
+            <a:r>
+              <a:rPr lang="nl-NL" dirty="0"/>
+              <a:t> </a:t>
+            </a:r>
+            <a:r>
+              <a:rPr lang="nl-NL" dirty="0" err="1"/>
+              <a:t>enim</a:t>
+            </a:r>
+            <a:r>
+              <a:rPr lang="nl-NL" dirty="0"/>
+              <a:t>. </a:t>
+            </a:r>
+          </a:p>
+        </p:txBody>
+      </p:sp>
+      <p:sp>
+        <p:nvSpPr>
+          <p:cNvPr id="14" name="Tekstvak 13">
+            <a:extLst>
+              <a:ext uri="{FF2B5EF4-FFF2-40B4-BE49-F238E27FC236}">
+                <a16:creationId xmlns:a16="http://schemas.microsoft.com/office/drawing/2014/main" id="{B66B4E19-DBA6-4443-97D4-ABE676A810B9}"/>
+              </a:ext>
+            </a:extLst>
+          </p:cNvPr>
+          <p:cNvSpPr txBox="1"/>
+          <p:nvPr/>
+        </p:nvSpPr>
+        <p:spPr>
+          <a:xfrm>
+            <a:off x="2690673" y="5259475"/>
+            <a:ext cx="9312675" cy="646331"/>
+          </a:xfrm>
+          <a:prstGeom prst="rect">
+            <a:avLst/>
+          </a:prstGeom>
+          <a:noFill/>
+        </p:spPr>
+        <p:txBody>
+          <a:bodyPr wrap="square" rtlCol="0">
+            <a:spAutoFit/>
+          </a:bodyPr>
+          <a:lstStyle/>
+          <a:p>
+            <a:pPr algn="r"/>
+            <a:r>
+              <a:rPr lang="nl-NL" dirty="0" err="1"/>
+              <a:t>Lorem</a:t>
+            </a:r>
+            <a:r>
+              <a:rPr lang="nl-NL" dirty="0"/>
+              <a:t> </a:t>
+            </a:r>
+            <a:r>
+              <a:rPr lang="nl-NL" dirty="0" err="1"/>
+              <a:t>ipsum</a:t>
+            </a:r>
+            <a:r>
+              <a:rPr lang="nl-NL" dirty="0"/>
+              <a:t> </a:t>
+            </a:r>
+            <a:r>
+              <a:rPr lang="nl-NL" dirty="0" err="1"/>
+              <a:t>dolor</a:t>
+            </a:r>
+            <a:r>
+              <a:rPr lang="nl-NL" dirty="0"/>
+              <a:t> </a:t>
+            </a:r>
+            <a:r>
+              <a:rPr lang="nl-NL" dirty="0" err="1"/>
+              <a:t>sit</a:t>
+            </a:r>
+            <a:r>
+              <a:rPr lang="nl-NL" dirty="0"/>
+              <a:t> </a:t>
+            </a:r>
+            <a:r>
+              <a:rPr lang="nl-NL" dirty="0" err="1"/>
+              <a:t>amet</a:t>
+            </a:r>
+            <a:r>
+              <a:rPr lang="nl-NL" dirty="0"/>
+              <a:t>, </a:t>
+            </a:r>
+            <a:r>
+              <a:rPr lang="nl-NL" dirty="0" err="1"/>
+              <a:t>consectetur</a:t>
+            </a:r>
+            <a:r>
+              <a:rPr lang="nl-NL" dirty="0"/>
+              <a:t> </a:t>
+            </a:r>
+            <a:r>
+              <a:rPr lang="nl-NL" dirty="0" err="1"/>
+              <a:t>adipiscing</a:t>
+            </a:r>
+            <a:r>
+              <a:rPr lang="nl-NL" dirty="0"/>
+              <a:t> </a:t>
+            </a:r>
+            <a:r>
+              <a:rPr lang="nl-NL" dirty="0" err="1"/>
+              <a:t>elit</a:t>
+            </a:r>
+            <a:r>
+              <a:rPr lang="nl-NL" dirty="0"/>
+              <a:t>. </a:t>
+            </a:r>
+            <a:r>
+              <a:rPr lang="nl-NL" dirty="0" err="1"/>
+              <a:t>Curabitur</a:t>
+            </a:r>
+            <a:r>
+              <a:rPr lang="nl-NL" dirty="0"/>
+              <a:t> </a:t>
+            </a:r>
+            <a:r>
+              <a:rPr lang="nl-NL" dirty="0" err="1"/>
+              <a:t>sit</a:t>
+            </a:r>
+            <a:r>
+              <a:rPr lang="nl-NL" dirty="0"/>
+              <a:t> </a:t>
+            </a:r>
+            <a:r>
+              <a:rPr lang="nl-NL" dirty="0" err="1"/>
+              <a:t>amet</a:t>
+            </a:r>
+            <a:r>
+              <a:rPr lang="nl-NL" dirty="0"/>
+              <a:t> </a:t>
+            </a:r>
+            <a:r>
+              <a:rPr lang="nl-NL" dirty="0" err="1"/>
+              <a:t>accumsan</a:t>
+            </a:r>
+            <a:r>
+              <a:rPr lang="nl-NL" dirty="0"/>
+              <a:t> </a:t>
+            </a:r>
+            <a:r>
+              <a:rPr lang="nl-NL" dirty="0" err="1"/>
+              <a:t>orci</a:t>
+            </a:r>
+            <a:r>
+              <a:rPr lang="nl-NL" dirty="0"/>
+              <a:t>. </a:t>
+            </a:r>
+            <a:r>
+              <a:rPr lang="nl-NL" dirty="0" err="1"/>
+              <a:t>Curabitur</a:t>
+            </a:r>
+            <a:r>
+              <a:rPr lang="nl-NL" dirty="0"/>
+              <a:t> </a:t>
+            </a:r>
+            <a:r>
+              <a:rPr lang="nl-NL" dirty="0" err="1"/>
+              <a:t>id</a:t>
+            </a:r>
+            <a:r>
+              <a:rPr lang="nl-NL" dirty="0"/>
+              <a:t> </a:t>
+            </a:r>
+            <a:r>
+              <a:rPr lang="nl-NL" dirty="0" err="1"/>
+              <a:t>nibh</a:t>
+            </a:r>
+            <a:r>
+              <a:rPr lang="nl-NL" dirty="0"/>
+              <a:t> </a:t>
+            </a:r>
+            <a:r>
+              <a:rPr lang="nl-NL" dirty="0" err="1"/>
+              <a:t>nisl</a:t>
+            </a:r>
+            <a:r>
+              <a:rPr lang="nl-NL" dirty="0"/>
+              <a:t>. </a:t>
+            </a:r>
+            <a:r>
+              <a:rPr lang="nl-NL" dirty="0" err="1"/>
+              <a:t>Mauris</a:t>
+            </a:r>
+            <a:r>
+              <a:rPr lang="nl-NL" dirty="0"/>
+              <a:t> </a:t>
+            </a:r>
+            <a:r>
+              <a:rPr lang="nl-NL" dirty="0" err="1"/>
+              <a:t>sed</a:t>
+            </a:r>
+            <a:r>
+              <a:rPr lang="nl-NL" dirty="0"/>
+              <a:t> </a:t>
+            </a:r>
+            <a:r>
+              <a:rPr lang="nl-NL" dirty="0" err="1"/>
+              <a:t>risus</a:t>
+            </a:r>
+            <a:r>
+              <a:rPr lang="nl-NL" dirty="0"/>
+              <a:t> </a:t>
+            </a:r>
+            <a:r>
+              <a:rPr lang="nl-NL" dirty="0" err="1"/>
+              <a:t>ac</a:t>
+            </a:r>
+            <a:r>
+              <a:rPr lang="nl-NL" dirty="0"/>
+              <a:t> ante </a:t>
+            </a:r>
+            <a:r>
+              <a:rPr lang="nl-NL" dirty="0" err="1"/>
+              <a:t>faucibus</a:t>
+            </a:r>
+            <a:r>
+              <a:rPr lang="nl-NL" dirty="0"/>
+              <a:t> </a:t>
+            </a:r>
+            <a:r>
+              <a:rPr lang="nl-NL" dirty="0" err="1"/>
+              <a:t>varius</a:t>
+            </a:r>
+            <a:r>
+              <a:rPr lang="nl-NL" dirty="0"/>
+              <a:t> </a:t>
+            </a:r>
+            <a:r>
+              <a:rPr lang="nl-NL" dirty="0" err="1"/>
+              <a:t>ac</a:t>
+            </a:r>
+            <a:r>
+              <a:rPr lang="nl-NL" dirty="0"/>
+              <a:t> </a:t>
+            </a:r>
+            <a:r>
+              <a:rPr lang="nl-NL" dirty="0" err="1"/>
+              <a:t>id</a:t>
+            </a:r>
+            <a:r>
+              <a:rPr lang="nl-NL" dirty="0"/>
+              <a:t> </a:t>
+            </a:r>
+            <a:r>
+              <a:rPr lang="nl-NL" dirty="0" err="1"/>
+              <a:t>enim</a:t>
+            </a:r>
+            <a:r>
+              <a:rPr lang="nl-NL" dirty="0"/>
+              <a:t>..</a:t>
+            </a:r>
+          </a:p>
+        </p:txBody>
+      </p:sp>
       <p:pic>
         <p:nvPicPr>
-          <p:cNvPr id="11" name="Picture 10" descr="A screen shot of a computer&#10;&#10;Description automatically generated with low confidence">
-            <a:extLst>
-              <a:ext uri="{FF2B5EF4-FFF2-40B4-BE49-F238E27FC236}">
-                <a16:creationId xmlns:a16="http://schemas.microsoft.com/office/drawing/2014/main" id="{E683E3B8-FD73-4F19-9D57-3C9D824DCC01}"/>
+          <p:cNvPr id="15" name="Picture 10" descr="A screen shot of a computer&#10;&#10;Description automatically generated with low confidence">
+            <a:extLst>
+              <a:ext uri="{FF2B5EF4-FFF2-40B4-BE49-F238E27FC236}">
+                <a16:creationId xmlns:a16="http://schemas.microsoft.com/office/drawing/2014/main" id="{173B735E-25F5-488E-961D-B7A48948B24D}"/>
               </a:ext>
             </a:extLst>
           </p:cNvPr>
@@ -3814,8 +4436,8 @@
         </p:blipFill>
         <p:spPr>
           <a:xfrm>
-            <a:off x="10269585" y="3454743"/>
-            <a:ext cx="1369779" cy="914400"/>
+            <a:off x="234519" y="5122829"/>
+            <a:ext cx="2424343" cy="1618377"/>
           </a:xfrm>
           <a:prstGeom prst="rect">
             <a:avLst/>
@@ -3832,6 +4454,350 @@
           </a:effectLst>
         </p:spPr>
       </p:pic>
+      <p:sp>
+        <p:nvSpPr>
+          <p:cNvPr id="16" name="Tekstvak 15">
+            <a:extLst>
+              <a:ext uri="{FF2B5EF4-FFF2-40B4-BE49-F238E27FC236}">
+                <a16:creationId xmlns:a16="http://schemas.microsoft.com/office/drawing/2014/main" id="{500F1E81-7D87-49E0-9BFC-6506D0DC2FD6}"/>
+              </a:ext>
+            </a:extLst>
+          </p:cNvPr>
+          <p:cNvSpPr txBox="1"/>
+          <p:nvPr/>
+        </p:nvSpPr>
+        <p:spPr>
+          <a:xfrm>
+            <a:off x="834501" y="1828800"/>
+            <a:ext cx="1740023" cy="923330"/>
+          </a:xfrm>
+          <a:prstGeom prst="rect">
+            <a:avLst/>
+          </a:prstGeom>
+          <a:noFill/>
+        </p:spPr>
+        <p:txBody>
+          <a:bodyPr wrap="square" rtlCol="0">
+            <a:spAutoFit/>
+          </a:bodyPr>
+          <a:lstStyle/>
+          <a:p>
+            <a:r>
+              <a:rPr lang="nl-NL" dirty="0"/>
+              <a:t>*</a:t>
+            </a:r>
+            <a:r>
+              <a:rPr lang="nl-NL" dirty="0" err="1"/>
+              <a:t>lorem</a:t>
+            </a:r>
+            <a:r>
+              <a:rPr lang="nl-NL" dirty="0"/>
+              <a:t> </a:t>
+            </a:r>
+            <a:r>
+              <a:rPr lang="nl-NL" dirty="0" err="1"/>
+              <a:t>ipsum</a:t>
+            </a:r>
+            <a:endParaRPr lang="nl-NL" dirty="0"/>
+          </a:p>
+          <a:p>
+            <a:r>
+              <a:rPr lang="nl-NL" dirty="0"/>
+              <a:t>*</a:t>
+            </a:r>
+            <a:r>
+              <a:rPr lang="nl-NL" dirty="0" err="1"/>
+              <a:t>lorem</a:t>
+            </a:r>
+            <a:r>
+              <a:rPr lang="nl-NL" dirty="0"/>
+              <a:t> </a:t>
+            </a:r>
+            <a:r>
+              <a:rPr lang="nl-NL" dirty="0" err="1"/>
+              <a:t>ipsum</a:t>
+            </a:r>
+            <a:endParaRPr lang="nl-NL" dirty="0"/>
+          </a:p>
+          <a:p>
+            <a:r>
+              <a:rPr lang="nl-NL" dirty="0"/>
+              <a:t>*</a:t>
+            </a:r>
+            <a:r>
+              <a:rPr lang="nl-NL" dirty="0" err="1"/>
+              <a:t>lorem</a:t>
+            </a:r>
+            <a:r>
+              <a:rPr lang="nl-NL" dirty="0"/>
+              <a:t> </a:t>
+            </a:r>
+            <a:r>
+              <a:rPr lang="nl-NL" dirty="0" err="1"/>
+              <a:t>ipsum</a:t>
+            </a:r>
+            <a:endParaRPr lang="nl-NL" dirty="0"/>
+          </a:p>
+        </p:txBody>
+      </p:sp>
+      <p:sp>
+        <p:nvSpPr>
+          <p:cNvPr id="17" name="Tekstvak 16">
+            <a:extLst>
+              <a:ext uri="{FF2B5EF4-FFF2-40B4-BE49-F238E27FC236}">
+                <a16:creationId xmlns:a16="http://schemas.microsoft.com/office/drawing/2014/main" id="{2D3B9AE5-3064-45AF-8743-F8731E4D169C}"/>
+              </a:ext>
+            </a:extLst>
+          </p:cNvPr>
+          <p:cNvSpPr txBox="1"/>
+          <p:nvPr/>
+        </p:nvSpPr>
+        <p:spPr>
+          <a:xfrm>
+            <a:off x="2574524" y="1852330"/>
+            <a:ext cx="1740023" cy="923330"/>
+          </a:xfrm>
+          <a:prstGeom prst="rect">
+            <a:avLst/>
+          </a:prstGeom>
+          <a:noFill/>
+        </p:spPr>
+        <p:txBody>
+          <a:bodyPr wrap="square" rtlCol="0">
+            <a:spAutoFit/>
+          </a:bodyPr>
+          <a:lstStyle/>
+          <a:p>
+            <a:r>
+              <a:rPr lang="nl-NL" dirty="0"/>
+              <a:t>*</a:t>
+            </a:r>
+            <a:r>
+              <a:rPr lang="nl-NL" dirty="0" err="1"/>
+              <a:t>lorem</a:t>
+            </a:r>
+            <a:r>
+              <a:rPr lang="nl-NL" dirty="0"/>
+              <a:t> </a:t>
+            </a:r>
+            <a:r>
+              <a:rPr lang="nl-NL" dirty="0" err="1"/>
+              <a:t>ipsum</a:t>
+            </a:r>
+            <a:endParaRPr lang="nl-NL" dirty="0"/>
+          </a:p>
+          <a:p>
+            <a:r>
+              <a:rPr lang="nl-NL" dirty="0"/>
+              <a:t>*</a:t>
+            </a:r>
+            <a:r>
+              <a:rPr lang="nl-NL" dirty="0" err="1"/>
+              <a:t>lorem</a:t>
+            </a:r>
+            <a:r>
+              <a:rPr lang="nl-NL" dirty="0"/>
+              <a:t> </a:t>
+            </a:r>
+            <a:r>
+              <a:rPr lang="nl-NL" dirty="0" err="1"/>
+              <a:t>ipsum</a:t>
+            </a:r>
+            <a:endParaRPr lang="nl-NL" dirty="0"/>
+          </a:p>
+          <a:p>
+            <a:r>
+              <a:rPr lang="nl-NL" dirty="0"/>
+              <a:t>*</a:t>
+            </a:r>
+            <a:r>
+              <a:rPr lang="nl-NL" dirty="0" err="1"/>
+              <a:t>lorem</a:t>
+            </a:r>
+            <a:r>
+              <a:rPr lang="nl-NL" dirty="0"/>
+              <a:t> </a:t>
+            </a:r>
+            <a:r>
+              <a:rPr lang="nl-NL" dirty="0" err="1"/>
+              <a:t>ipsum</a:t>
+            </a:r>
+            <a:endParaRPr lang="nl-NL" dirty="0"/>
+          </a:p>
+        </p:txBody>
+      </p:sp>
+      <p:sp>
+        <p:nvSpPr>
+          <p:cNvPr id="18" name="Tekstvak 17">
+            <a:extLst>
+              <a:ext uri="{FF2B5EF4-FFF2-40B4-BE49-F238E27FC236}">
+                <a16:creationId xmlns:a16="http://schemas.microsoft.com/office/drawing/2014/main" id="{2A88B32C-C270-4ABE-ACB0-7C158B17A103}"/>
+              </a:ext>
+            </a:extLst>
+          </p:cNvPr>
+          <p:cNvSpPr txBox="1"/>
+          <p:nvPr/>
+        </p:nvSpPr>
+        <p:spPr>
+          <a:xfrm>
+            <a:off x="6915704" y="1828800"/>
+            <a:ext cx="1740023" cy="923330"/>
+          </a:xfrm>
+          <a:prstGeom prst="rect">
+            <a:avLst/>
+          </a:prstGeom>
+          <a:noFill/>
+        </p:spPr>
+        <p:txBody>
+          <a:bodyPr wrap="square" rtlCol="0">
+            <a:spAutoFit/>
+          </a:bodyPr>
+          <a:lstStyle/>
+          <a:p>
+            <a:r>
+              <a:rPr lang="nl-NL" dirty="0"/>
+              <a:t>*</a:t>
+            </a:r>
+            <a:r>
+              <a:rPr lang="nl-NL" dirty="0" err="1"/>
+              <a:t>lorem</a:t>
+            </a:r>
+            <a:r>
+              <a:rPr lang="nl-NL" dirty="0"/>
+              <a:t> </a:t>
+            </a:r>
+            <a:r>
+              <a:rPr lang="nl-NL" dirty="0" err="1"/>
+              <a:t>ipsum</a:t>
+            </a:r>
+            <a:endParaRPr lang="nl-NL" dirty="0"/>
+          </a:p>
+          <a:p>
+            <a:r>
+              <a:rPr lang="nl-NL" dirty="0"/>
+              <a:t>*</a:t>
+            </a:r>
+            <a:r>
+              <a:rPr lang="nl-NL" dirty="0" err="1"/>
+              <a:t>lorem</a:t>
+            </a:r>
+            <a:r>
+              <a:rPr lang="nl-NL" dirty="0"/>
+              <a:t> </a:t>
+            </a:r>
+            <a:r>
+              <a:rPr lang="nl-NL" dirty="0" err="1"/>
+              <a:t>ipsum</a:t>
+            </a:r>
+            <a:endParaRPr lang="nl-NL" dirty="0"/>
+          </a:p>
+          <a:p>
+            <a:r>
+              <a:rPr lang="nl-NL" dirty="0"/>
+              <a:t>*</a:t>
+            </a:r>
+            <a:r>
+              <a:rPr lang="nl-NL" dirty="0" err="1"/>
+              <a:t>lorem</a:t>
+            </a:r>
+            <a:r>
+              <a:rPr lang="nl-NL" dirty="0"/>
+              <a:t> </a:t>
+            </a:r>
+            <a:r>
+              <a:rPr lang="nl-NL" dirty="0" err="1"/>
+              <a:t>ipsum</a:t>
+            </a:r>
+            <a:endParaRPr lang="nl-NL" dirty="0"/>
+          </a:p>
+        </p:txBody>
+      </p:sp>
+      <p:sp>
+        <p:nvSpPr>
+          <p:cNvPr id="19" name="Tekstvak 18">
+            <a:extLst>
+              <a:ext uri="{FF2B5EF4-FFF2-40B4-BE49-F238E27FC236}">
+                <a16:creationId xmlns:a16="http://schemas.microsoft.com/office/drawing/2014/main" id="{8CADD14B-9372-422B-AE07-F88F0ED41DED}"/>
+              </a:ext>
+            </a:extLst>
+          </p:cNvPr>
+          <p:cNvSpPr txBox="1"/>
+          <p:nvPr/>
+        </p:nvSpPr>
+        <p:spPr>
+          <a:xfrm>
+            <a:off x="9042274" y="1828800"/>
+            <a:ext cx="1740023" cy="923330"/>
+          </a:xfrm>
+          <a:prstGeom prst="rect">
+            <a:avLst/>
+          </a:prstGeom>
+          <a:noFill/>
+        </p:spPr>
+        <p:txBody>
+          <a:bodyPr wrap="square" rtlCol="0">
+            <a:spAutoFit/>
+          </a:bodyPr>
+          <a:lstStyle/>
+          <a:p>
+            <a:r>
+              <a:rPr lang="nl-NL" dirty="0"/>
+              <a:t>*</a:t>
+            </a:r>
+            <a:r>
+              <a:rPr lang="nl-NL" dirty="0" err="1"/>
+              <a:t>lorem</a:t>
+            </a:r>
+            <a:r>
+              <a:rPr lang="nl-NL" dirty="0"/>
+              <a:t> </a:t>
+            </a:r>
+            <a:r>
+              <a:rPr lang="nl-NL" dirty="0" err="1"/>
+              <a:t>ipsum</a:t>
+            </a:r>
+            <a:endParaRPr lang="nl-NL" dirty="0"/>
+          </a:p>
+          <a:p>
+            <a:r>
+              <a:rPr lang="nl-NL" dirty="0"/>
+              <a:t>*</a:t>
+            </a:r>
+            <a:r>
+              <a:rPr lang="nl-NL" dirty="0" err="1"/>
+              <a:t>lorem</a:t>
+            </a:r>
+            <a:r>
+              <a:rPr lang="nl-NL" dirty="0"/>
+              <a:t> </a:t>
+            </a:r>
+            <a:r>
+              <a:rPr lang="nl-NL" dirty="0" err="1"/>
+              <a:t>ipsum</a:t>
+            </a:r>
+            <a:endParaRPr lang="nl-NL" dirty="0"/>
+          </a:p>
+          <a:p>
+            <a:r>
+              <a:rPr lang="nl-NL" dirty="0"/>
+              <a:t>*</a:t>
+            </a:r>
+            <a:r>
+              <a:rPr lang="nl-NL" dirty="0" err="1"/>
+              <a:t>lorem</a:t>
+            </a:r>
+            <a:r>
+              <a:rPr lang="nl-NL" dirty="0"/>
+              <a:t> </a:t>
+            </a:r>
+            <a:r>
+              <a:rPr lang="nl-NL" dirty="0" err="1"/>
+              <a:t>ipsum</a:t>
+            </a:r>
+            <a:endParaRPr lang="nl-NL" dirty="0"/>
+          </a:p>
+        </p:txBody>
+      </p:sp>
     </p:spTree>
     <p:extLst>
       <p:ext uri="{BB962C8B-B14F-4D97-AF65-F5344CB8AC3E}">

--- a/Mohamamd A/mockup/mockup.pptx
+++ b/Mohamamd A/mockup/mockup.pptx
@@ -261,7 +261,7 @@
           <a:p>
             <a:fld id="{6E81B9BF-F526-4B59-BD0D-EE791108CED1}" type="datetimeFigureOut">
               <a:rPr lang="nl-NL" smtClean="0"/>
-              <a:t>8-12-2021</a:t>
+              <a:t>15-12-2021</a:t>
             </a:fld>
             <a:endParaRPr lang="nl-NL"/>
           </a:p>
@@ -315,7 +315,7 @@
           <a:p>
             <a:fld id="{764C9FFC-0AA3-4D61-83F7-3BE29BAEBD52}" type="slidenum">
               <a:rPr lang="nl-NL" smtClean="0"/>
-              <a:t>‹nr.›</a:t>
+              <a:t>‹#›</a:t>
             </a:fld>
             <a:endParaRPr lang="nl-NL"/>
           </a:p>
@@ -461,7 +461,7 @@
           <a:p>
             <a:fld id="{6E81B9BF-F526-4B59-BD0D-EE791108CED1}" type="datetimeFigureOut">
               <a:rPr lang="nl-NL" smtClean="0"/>
-              <a:t>8-12-2021</a:t>
+              <a:t>15-12-2021</a:t>
             </a:fld>
             <a:endParaRPr lang="nl-NL"/>
           </a:p>
@@ -515,7 +515,7 @@
           <a:p>
             <a:fld id="{764C9FFC-0AA3-4D61-83F7-3BE29BAEBD52}" type="slidenum">
               <a:rPr lang="nl-NL" smtClean="0"/>
-              <a:t>‹nr.›</a:t>
+              <a:t>‹#›</a:t>
             </a:fld>
             <a:endParaRPr lang="nl-NL"/>
           </a:p>
@@ -671,7 +671,7 @@
           <a:p>
             <a:fld id="{6E81B9BF-F526-4B59-BD0D-EE791108CED1}" type="datetimeFigureOut">
               <a:rPr lang="nl-NL" smtClean="0"/>
-              <a:t>8-12-2021</a:t>
+              <a:t>15-12-2021</a:t>
             </a:fld>
             <a:endParaRPr lang="nl-NL"/>
           </a:p>
@@ -725,7 +725,7 @@
           <a:p>
             <a:fld id="{764C9FFC-0AA3-4D61-83F7-3BE29BAEBD52}" type="slidenum">
               <a:rPr lang="nl-NL" smtClean="0"/>
-              <a:t>‹nr.›</a:t>
+              <a:t>‹#›</a:t>
             </a:fld>
             <a:endParaRPr lang="nl-NL"/>
           </a:p>
@@ -871,7 +871,7 @@
           <a:p>
             <a:fld id="{6E81B9BF-F526-4B59-BD0D-EE791108CED1}" type="datetimeFigureOut">
               <a:rPr lang="nl-NL" smtClean="0"/>
-              <a:t>8-12-2021</a:t>
+              <a:t>15-12-2021</a:t>
             </a:fld>
             <a:endParaRPr lang="nl-NL"/>
           </a:p>
@@ -925,7 +925,7 @@
           <a:p>
             <a:fld id="{764C9FFC-0AA3-4D61-83F7-3BE29BAEBD52}" type="slidenum">
               <a:rPr lang="nl-NL" smtClean="0"/>
-              <a:t>‹nr.›</a:t>
+              <a:t>‹#›</a:t>
             </a:fld>
             <a:endParaRPr lang="nl-NL"/>
           </a:p>
@@ -1147,7 +1147,7 @@
           <a:p>
             <a:fld id="{6E81B9BF-F526-4B59-BD0D-EE791108CED1}" type="datetimeFigureOut">
               <a:rPr lang="nl-NL" smtClean="0"/>
-              <a:t>8-12-2021</a:t>
+              <a:t>15-12-2021</a:t>
             </a:fld>
             <a:endParaRPr lang="nl-NL"/>
           </a:p>
@@ -1201,7 +1201,7 @@
           <a:p>
             <a:fld id="{764C9FFC-0AA3-4D61-83F7-3BE29BAEBD52}" type="slidenum">
               <a:rPr lang="nl-NL" smtClean="0"/>
-              <a:t>‹nr.›</a:t>
+              <a:t>‹#›</a:t>
             </a:fld>
             <a:endParaRPr lang="nl-NL"/>
           </a:p>
@@ -1415,7 +1415,7 @@
           <a:p>
             <a:fld id="{6E81B9BF-F526-4B59-BD0D-EE791108CED1}" type="datetimeFigureOut">
               <a:rPr lang="nl-NL" smtClean="0"/>
-              <a:t>8-12-2021</a:t>
+              <a:t>15-12-2021</a:t>
             </a:fld>
             <a:endParaRPr lang="nl-NL"/>
           </a:p>
@@ -1469,7 +1469,7 @@
           <a:p>
             <a:fld id="{764C9FFC-0AA3-4D61-83F7-3BE29BAEBD52}" type="slidenum">
               <a:rPr lang="nl-NL" smtClean="0"/>
-              <a:t>‹nr.›</a:t>
+              <a:t>‹#›</a:t>
             </a:fld>
             <a:endParaRPr lang="nl-NL"/>
           </a:p>
@@ -1830,7 +1830,7 @@
           <a:p>
             <a:fld id="{6E81B9BF-F526-4B59-BD0D-EE791108CED1}" type="datetimeFigureOut">
               <a:rPr lang="nl-NL" smtClean="0"/>
-              <a:t>8-12-2021</a:t>
+              <a:t>15-12-2021</a:t>
             </a:fld>
             <a:endParaRPr lang="nl-NL"/>
           </a:p>
@@ -1884,7 +1884,7 @@
           <a:p>
             <a:fld id="{764C9FFC-0AA3-4D61-83F7-3BE29BAEBD52}" type="slidenum">
               <a:rPr lang="nl-NL" smtClean="0"/>
-              <a:t>‹nr.›</a:t>
+              <a:t>‹#›</a:t>
             </a:fld>
             <a:endParaRPr lang="nl-NL"/>
           </a:p>
@@ -1972,7 +1972,7 @@
           <a:p>
             <a:fld id="{6E81B9BF-F526-4B59-BD0D-EE791108CED1}" type="datetimeFigureOut">
               <a:rPr lang="nl-NL" smtClean="0"/>
-              <a:t>8-12-2021</a:t>
+              <a:t>15-12-2021</a:t>
             </a:fld>
             <a:endParaRPr lang="nl-NL"/>
           </a:p>
@@ -2026,7 +2026,7 @@
           <a:p>
             <a:fld id="{764C9FFC-0AA3-4D61-83F7-3BE29BAEBD52}" type="slidenum">
               <a:rPr lang="nl-NL" smtClean="0"/>
-              <a:t>‹nr.›</a:t>
+              <a:t>‹#›</a:t>
             </a:fld>
             <a:endParaRPr lang="nl-NL"/>
           </a:p>
@@ -2085,7 +2085,7 @@
           <a:p>
             <a:fld id="{6E81B9BF-F526-4B59-BD0D-EE791108CED1}" type="datetimeFigureOut">
               <a:rPr lang="nl-NL" smtClean="0"/>
-              <a:t>8-12-2021</a:t>
+              <a:t>15-12-2021</a:t>
             </a:fld>
             <a:endParaRPr lang="nl-NL"/>
           </a:p>
@@ -2139,7 +2139,7 @@
           <a:p>
             <a:fld id="{764C9FFC-0AA3-4D61-83F7-3BE29BAEBD52}" type="slidenum">
               <a:rPr lang="nl-NL" smtClean="0"/>
-              <a:t>‹nr.›</a:t>
+              <a:t>‹#›</a:t>
             </a:fld>
             <a:endParaRPr lang="nl-NL"/>
           </a:p>
@@ -2398,7 +2398,7 @@
           <a:p>
             <a:fld id="{6E81B9BF-F526-4B59-BD0D-EE791108CED1}" type="datetimeFigureOut">
               <a:rPr lang="nl-NL" smtClean="0"/>
-              <a:t>8-12-2021</a:t>
+              <a:t>15-12-2021</a:t>
             </a:fld>
             <a:endParaRPr lang="nl-NL"/>
           </a:p>
@@ -2452,7 +2452,7 @@
           <a:p>
             <a:fld id="{764C9FFC-0AA3-4D61-83F7-3BE29BAEBD52}" type="slidenum">
               <a:rPr lang="nl-NL" smtClean="0"/>
-              <a:t>‹nr.›</a:t>
+              <a:t>‹#›</a:t>
             </a:fld>
             <a:endParaRPr lang="nl-NL"/>
           </a:p>
@@ -2687,7 +2687,7 @@
           <a:p>
             <a:fld id="{6E81B9BF-F526-4B59-BD0D-EE791108CED1}" type="datetimeFigureOut">
               <a:rPr lang="nl-NL" smtClean="0"/>
-              <a:t>8-12-2021</a:t>
+              <a:t>15-12-2021</a:t>
             </a:fld>
             <a:endParaRPr lang="nl-NL"/>
           </a:p>
@@ -2741,7 +2741,7 @@
           <a:p>
             <a:fld id="{764C9FFC-0AA3-4D61-83F7-3BE29BAEBD52}" type="slidenum">
               <a:rPr lang="nl-NL" smtClean="0"/>
-              <a:t>‹nr.›</a:t>
+              <a:t>‹#›</a:t>
             </a:fld>
             <a:endParaRPr lang="nl-NL"/>
           </a:p>
@@ -2930,7 +2930,7 @@
           <a:p>
             <a:fld id="{6E81B9BF-F526-4B59-BD0D-EE791108CED1}" type="datetimeFigureOut">
               <a:rPr lang="nl-NL" smtClean="0"/>
-              <a:t>8-12-2021</a:t>
+              <a:t>15-12-2021</a:t>
             </a:fld>
             <a:endParaRPr lang="nl-NL"/>
           </a:p>
@@ -3020,7 +3020,7 @@
           <a:p>
             <a:fld id="{764C9FFC-0AA3-4D61-83F7-3BE29BAEBD52}" type="slidenum">
               <a:rPr lang="nl-NL" smtClean="0"/>
-              <a:t>‹nr.›</a:t>
+              <a:t>‹#›</a:t>
             </a:fld>
             <a:endParaRPr lang="nl-NL"/>
           </a:p>
